--- a/2016 - CAPP Workshop.pptx
+++ b/2016 - CAPP Workshop.pptx
@@ -5,7 +5,7 @@
     <p:sldMasterId id="2147483684" r:id="rId1"/>
   </p:sldMasterIdLst>
   <p:notesMasterIdLst>
-    <p:notesMasterId r:id="rId50"/>
+    <p:notesMasterId r:id="rId51"/>
   </p:notesMasterIdLst>
   <p:sldIdLst>
     <p:sldId id="256" r:id="rId2"/>
@@ -53,9 +53,10 @@
     <p:sldId id="290" r:id="rId44"/>
     <p:sldId id="291" r:id="rId45"/>
     <p:sldId id="282" r:id="rId46"/>
-    <p:sldId id="310" r:id="rId47"/>
-    <p:sldId id="283" r:id="rId48"/>
-    <p:sldId id="284" r:id="rId49"/>
+    <p:sldId id="311" r:id="rId47"/>
+    <p:sldId id="310" r:id="rId48"/>
+    <p:sldId id="283" r:id="rId49"/>
+    <p:sldId id="284" r:id="rId50"/>
   </p:sldIdLst>
   <p:sldSz cx="12192000" cy="6858000"/>
   <p:notesSz cx="6858000" cy="9144000"/>
@@ -14163,6 +14164,12 @@
               <a:rPr lang="en-US"/>
               <a:t>We want to combine this data into one frame that has, at the least, the following three fields: USER_ID, TREATMENT, DATE. </a:t>
             </a:r>
+          </a:p>
+          <a:p>
+            <a:r>
+              <a:rPr lang="en-US"/>
+              <a:t>Also want to add a SEGMENT_UserAge field to understand our measurements sliced by user age. </a:t>
+            </a:r>
             <a:endParaRPr lang="en-US" dirty="0"/>
           </a:p>
         </p:txBody>
@@ -14216,25 +14223,368 @@
               <a:rPr lang="en-US"/>
               <a:t>Exercise 3 – Building a Data Pipeline</a:t>
             </a:r>
+            <a:endParaRPr lang="en-US" dirty="0"/>
+          </a:p>
+        </p:txBody>
+      </p:sp>
+      <p:sp>
+        <p:nvSpPr>
+          <p:cNvPr id="4" name="Cloud 3"/>
+          <p:cNvSpPr/>
+          <p:nvPr/>
+        </p:nvSpPr>
+        <p:spPr>
+          <a:xfrm>
+            <a:off x="886541" y="2313774"/>
+            <a:ext cx="2021305" cy="859398"/>
+          </a:xfrm>
+          <a:prstGeom prst="cloud">
+            <a:avLst/>
+          </a:prstGeom>
+        </p:spPr>
+        <p:style>
+          <a:lnRef idx="2">
+            <a:schemeClr val="accent2">
+              <a:shade val="50000"/>
+            </a:schemeClr>
+          </a:lnRef>
+          <a:fillRef idx="1">
+            <a:schemeClr val="accent2"/>
+          </a:fillRef>
+          <a:effectRef idx="0">
+            <a:schemeClr val="accent2"/>
+          </a:effectRef>
+          <a:fontRef idx="minor">
+            <a:schemeClr val="lt1"/>
+          </a:fontRef>
+        </p:style>
+        <p:txBody>
+          <a:bodyPr rtlCol="0" anchor="ctr"/>
+          <a:lstStyle/>
+          <a:p>
+            <a:pPr algn="ctr"/>
+            <a:r>
+              <a:rPr lang="en-US"/>
+              <a:t>df.actions</a:t>
+            </a:r>
+          </a:p>
+        </p:txBody>
+      </p:sp>
+      <p:sp>
+        <p:nvSpPr>
+          <p:cNvPr id="5" name="Cloud 4"/>
+          <p:cNvSpPr/>
+          <p:nvPr/>
+        </p:nvSpPr>
+        <p:spPr>
+          <a:xfrm>
+            <a:off x="872790" y="3543252"/>
+            <a:ext cx="2035056" cy="646268"/>
+          </a:xfrm>
+          <a:prstGeom prst="cloud">
+            <a:avLst/>
+          </a:prstGeom>
+        </p:spPr>
+        <p:style>
+          <a:lnRef idx="2">
+            <a:schemeClr val="accent4">
+              <a:shade val="50000"/>
+            </a:schemeClr>
+          </a:lnRef>
+          <a:fillRef idx="1">
+            <a:schemeClr val="accent4"/>
+          </a:fillRef>
+          <a:effectRef idx="0">
+            <a:schemeClr val="accent4"/>
+          </a:effectRef>
+          <a:fontRef idx="minor">
+            <a:schemeClr val="lt1"/>
+          </a:fontRef>
+        </p:style>
+        <p:txBody>
+          <a:bodyPr rtlCol="0" anchor="ctr"/>
+          <a:lstStyle/>
+          <a:p>
+            <a:pPr algn="ctr"/>
+            <a:r>
+              <a:rPr lang="en-US"/>
+              <a:t>df.userdata</a:t>
+            </a:r>
+          </a:p>
+        </p:txBody>
+      </p:sp>
+      <p:sp>
+        <p:nvSpPr>
+          <p:cNvPr id="6" name="Cloud 5"/>
+          <p:cNvSpPr/>
+          <p:nvPr/>
+        </p:nvSpPr>
+        <p:spPr>
+          <a:xfrm>
+            <a:off x="4817629" y="4372950"/>
+            <a:ext cx="2090058" cy="804397"/>
+          </a:xfrm>
+          <a:prstGeom prst="cloud">
+            <a:avLst/>
+          </a:prstGeom>
+        </p:spPr>
+        <p:style>
+          <a:lnRef idx="2">
+            <a:schemeClr val="accent1">
+              <a:shade val="50000"/>
+            </a:schemeClr>
+          </a:lnRef>
+          <a:fillRef idx="1">
+            <a:schemeClr val="accent1"/>
+          </a:fillRef>
+          <a:effectRef idx="0">
+            <a:schemeClr val="accent1"/>
+          </a:effectRef>
+          <a:fontRef idx="minor">
+            <a:schemeClr val="lt1"/>
+          </a:fontRef>
+        </p:style>
+        <p:txBody>
+          <a:bodyPr rtlCol="0" anchor="ctr"/>
+          <a:lstStyle/>
+          <a:p>
+            <a:pPr algn="ctr"/>
+            <a:r>
+              <a:rPr lang="en-US"/>
+              <a:t>df.flightinfo</a:t>
+            </a:r>
+          </a:p>
+        </p:txBody>
+      </p:sp>
+      <p:sp>
+        <p:nvSpPr>
+          <p:cNvPr id="7" name="Right Arrow Callout 6"/>
+          <p:cNvSpPr/>
+          <p:nvPr/>
+        </p:nvSpPr>
+        <p:spPr>
+          <a:xfrm>
+            <a:off x="3051545" y="2313774"/>
+            <a:ext cx="1594884" cy="1769128"/>
+          </a:xfrm>
+          <a:prstGeom prst="rightArrowCallout">
+            <a:avLst>
+              <a:gd name="adj1" fmla="val 3667"/>
+              <a:gd name="adj2" fmla="val 25000"/>
+              <a:gd name="adj3" fmla="val 25000"/>
+              <a:gd name="adj4" fmla="val 16196"/>
+            </a:avLst>
+          </a:prstGeom>
+        </p:spPr>
+        <p:style>
+          <a:lnRef idx="2">
+            <a:schemeClr val="accent3">
+              <a:shade val="50000"/>
+            </a:schemeClr>
+          </a:lnRef>
+          <a:fillRef idx="1">
+            <a:schemeClr val="accent3"/>
+          </a:fillRef>
+          <a:effectRef idx="0">
+            <a:schemeClr val="accent3"/>
+          </a:effectRef>
+          <a:fontRef idx="minor">
+            <a:schemeClr val="lt1"/>
+          </a:fontRef>
+        </p:style>
+        <p:txBody>
+          <a:bodyPr rtlCol="0" anchor="ctr"/>
+          <a:lstStyle/>
+          <a:p>
+            <a:pPr algn="ctr"/>
             <a:endParaRPr lang="en-US"/>
           </a:p>
         </p:txBody>
       </p:sp>
       <p:sp>
         <p:nvSpPr>
-          <p:cNvPr id="3" name="Content Placeholder 2"/>
-          <p:cNvSpPr>
-            <a:spLocks noGrp="1"/>
-          </p:cNvSpPr>
-          <p:nvPr>
-            <p:ph idx="1"/>
-          </p:nvPr>
-        </p:nvSpPr>
-        <p:spPr/>
-        <p:txBody>
-          <a:bodyPr/>
-          <a:lstStyle/>
-          <a:p>
+          <p:cNvPr id="8" name="Cloud 7"/>
+          <p:cNvSpPr/>
+          <p:nvPr/>
+        </p:nvSpPr>
+        <p:spPr>
+          <a:xfrm>
+            <a:off x="4817629" y="2875204"/>
+            <a:ext cx="2035056" cy="646268"/>
+          </a:xfrm>
+          <a:prstGeom prst="cloud">
+            <a:avLst/>
+          </a:prstGeom>
+        </p:spPr>
+        <p:style>
+          <a:lnRef idx="2">
+            <a:schemeClr val="accent6">
+              <a:shade val="50000"/>
+            </a:schemeClr>
+          </a:lnRef>
+          <a:fillRef idx="1">
+            <a:schemeClr val="accent6"/>
+          </a:fillRef>
+          <a:effectRef idx="0">
+            <a:schemeClr val="accent6"/>
+          </a:effectRef>
+          <a:fontRef idx="minor">
+            <a:schemeClr val="lt1"/>
+          </a:fontRef>
+        </p:style>
+        <p:txBody>
+          <a:bodyPr rtlCol="0" anchor="ctr"/>
+          <a:lstStyle/>
+          <a:p>
+            <a:pPr algn="ctr"/>
+            <a:endParaRPr lang="en-US"/>
+          </a:p>
+        </p:txBody>
+      </p:sp>
+      <p:sp>
+        <p:nvSpPr>
+          <p:cNvPr id="9" name="Right Arrow Callout 8"/>
+          <p:cNvSpPr/>
+          <p:nvPr/>
+        </p:nvSpPr>
+        <p:spPr>
+          <a:xfrm>
+            <a:off x="7078887" y="2978467"/>
+            <a:ext cx="1734036" cy="2198880"/>
+          </a:xfrm>
+          <a:prstGeom prst="rightArrowCallout">
+            <a:avLst>
+              <a:gd name="adj1" fmla="val 3667"/>
+              <a:gd name="adj2" fmla="val 25000"/>
+              <a:gd name="adj3" fmla="val 25000"/>
+              <a:gd name="adj4" fmla="val 16196"/>
+            </a:avLst>
+          </a:prstGeom>
+        </p:spPr>
+        <p:style>
+          <a:lnRef idx="2">
+            <a:schemeClr val="accent3">
+              <a:shade val="50000"/>
+            </a:schemeClr>
+          </a:lnRef>
+          <a:fillRef idx="1">
+            <a:schemeClr val="accent3"/>
+          </a:fillRef>
+          <a:effectRef idx="0">
+            <a:schemeClr val="accent3"/>
+          </a:effectRef>
+          <a:fontRef idx="minor">
+            <a:schemeClr val="lt1"/>
+          </a:fontRef>
+        </p:style>
+        <p:txBody>
+          <a:bodyPr rtlCol="0" anchor="ctr"/>
+          <a:lstStyle/>
+          <a:p>
+            <a:pPr algn="ctr"/>
+            <a:endParaRPr lang="en-US"/>
+          </a:p>
+        </p:txBody>
+      </p:sp>
+      <p:sp>
+        <p:nvSpPr>
+          <p:cNvPr id="10" name="Cloud 9"/>
+          <p:cNvSpPr/>
+          <p:nvPr/>
+        </p:nvSpPr>
+        <p:spPr>
+          <a:xfrm>
+            <a:off x="8897984" y="3466761"/>
+            <a:ext cx="2691506" cy="1276489"/>
+          </a:xfrm>
+          <a:prstGeom prst="cloud">
+            <a:avLst/>
+          </a:prstGeom>
+        </p:spPr>
+        <p:style>
+          <a:lnRef idx="2">
+            <a:schemeClr val="accent6">
+              <a:shade val="50000"/>
+            </a:schemeClr>
+          </a:lnRef>
+          <a:fillRef idx="1">
+            <a:schemeClr val="accent6"/>
+          </a:fillRef>
+          <a:effectRef idx="0">
+            <a:schemeClr val="accent6"/>
+          </a:effectRef>
+          <a:fontRef idx="minor">
+            <a:schemeClr val="lt1"/>
+          </a:fontRef>
+        </p:style>
+        <p:txBody>
+          <a:bodyPr rtlCol="0" anchor="ctr"/>
+          <a:lstStyle/>
+          <a:p>
+            <a:pPr algn="ctr"/>
+            <a:r>
+              <a:rPr lang="en-US"/>
+              <a:t>Final</a:t>
+            </a:r>
+          </a:p>
+        </p:txBody>
+      </p:sp>
+      <p:sp>
+        <p:nvSpPr>
+          <p:cNvPr id="11" name="TextBox 10"/>
+          <p:cNvSpPr txBox="1"/>
+          <p:nvPr/>
+        </p:nvSpPr>
+        <p:spPr>
+          <a:xfrm>
+            <a:off x="3344470" y="2374141"/>
+            <a:ext cx="1301959" cy="369332"/>
+          </a:xfrm>
+          <a:prstGeom prst="rect">
+            <a:avLst/>
+          </a:prstGeom>
+          <a:noFill/>
+        </p:spPr>
+        <p:txBody>
+          <a:bodyPr wrap="none" rtlCol="0">
+            <a:spAutoFit/>
+          </a:bodyPr>
+          <a:lstStyle/>
+          <a:p>
+            <a:r>
+              <a:rPr lang="en-US"/>
+              <a:t>Join by user</a:t>
+            </a:r>
+            <a:endParaRPr lang="en-US"/>
+          </a:p>
+        </p:txBody>
+      </p:sp>
+      <p:sp>
+        <p:nvSpPr>
+          <p:cNvPr id="12" name="TextBox 11"/>
+          <p:cNvSpPr txBox="1"/>
+          <p:nvPr/>
+        </p:nvSpPr>
+        <p:spPr>
+          <a:xfrm>
+            <a:off x="7510964" y="3198338"/>
+            <a:ext cx="1301959" cy="369332"/>
+          </a:xfrm>
+          <a:prstGeom prst="rect">
+            <a:avLst/>
+          </a:prstGeom>
+          <a:noFill/>
+        </p:spPr>
+        <p:txBody>
+          <a:bodyPr wrap="none" rtlCol="0">
+            <a:spAutoFit/>
+          </a:bodyPr>
+          <a:lstStyle/>
+          <a:p>
+            <a:r>
+              <a:rPr lang="en-US"/>
+              <a:t>Join by user</a:t>
+            </a:r>
             <a:endParaRPr lang="en-US"/>
           </a:p>
         </p:txBody>
@@ -14242,7 +14592,7 @@
     </p:spTree>
     <p:extLst>
       <p:ext uri="{BB962C8B-B14F-4D97-AF65-F5344CB8AC3E}">
-        <p14:creationId xmlns:p14="http://schemas.microsoft.com/office/powerpoint/2010/main" val="3043735063"/>
+        <p14:creationId xmlns:p14="http://schemas.microsoft.com/office/powerpoint/2010/main" val="1798846091"/>
       </p:ext>
     </p:extLst>
   </p:cSld>
@@ -14286,6 +14636,88 @@
           <a:p>
             <a:r>
               <a:rPr lang="en-US"/>
+              <a:t>Exercise 3 – Building a Data Pipeline</a:t>
+            </a:r>
+            <a:endParaRPr lang="en-US"/>
+          </a:p>
+        </p:txBody>
+      </p:sp>
+      <p:sp>
+        <p:nvSpPr>
+          <p:cNvPr id="3" name="Content Placeholder 2"/>
+          <p:cNvSpPr>
+            <a:spLocks noGrp="1"/>
+          </p:cNvSpPr>
+          <p:nvPr>
+            <p:ph idx="1"/>
+          </p:nvPr>
+        </p:nvSpPr>
+        <p:spPr/>
+        <p:txBody>
+          <a:bodyPr/>
+          <a:lstStyle/>
+          <a:p>
+            <a:r>
+              <a:rPr lang="en-US"/>
+              <a:t>What assumptions are you making when you are building this pipeline?</a:t>
+            </a:r>
+          </a:p>
+          <a:p>
+            <a:r>
+              <a:rPr lang="en-US"/>
+              <a:t>How do these assumptions affect your output?</a:t>
+            </a:r>
+            <a:endParaRPr lang="en-US"/>
+          </a:p>
+        </p:txBody>
+      </p:sp>
+    </p:spTree>
+    <p:extLst>
+      <p:ext uri="{BB962C8B-B14F-4D97-AF65-F5344CB8AC3E}">
+        <p14:creationId xmlns:p14="http://schemas.microsoft.com/office/powerpoint/2010/main" val="3043735063"/>
+      </p:ext>
+    </p:extLst>
+  </p:cSld>
+  <p:clrMapOvr>
+    <a:masterClrMapping/>
+  </p:clrMapOvr>
+</p:sld>
+</file>
+
+<file path=ppt/slides/slide48.xml><?xml version="1.0" encoding="utf-8"?>
+<p:sld xmlns:a="http://schemas.openxmlformats.org/drawingml/2006/main" xmlns:r="http://schemas.openxmlformats.org/officeDocument/2006/relationships" xmlns:p="http://schemas.openxmlformats.org/presentationml/2006/main">
+  <p:cSld>
+    <p:spTree>
+      <p:nvGrpSpPr>
+        <p:cNvPr id="1" name=""/>
+        <p:cNvGrpSpPr/>
+        <p:nvPr/>
+      </p:nvGrpSpPr>
+      <p:grpSpPr>
+        <a:xfrm>
+          <a:off x="0" y="0"/>
+          <a:ext cx="0" cy="0"/>
+          <a:chOff x="0" y="0"/>
+          <a:chExt cx="0" cy="0"/>
+        </a:xfrm>
+      </p:grpSpPr>
+      <p:sp>
+        <p:nvSpPr>
+          <p:cNvPr id="2" name="Title 1"/>
+          <p:cNvSpPr>
+            <a:spLocks noGrp="1"/>
+          </p:cNvSpPr>
+          <p:nvPr>
+            <p:ph type="title"/>
+          </p:nvPr>
+        </p:nvSpPr>
+        <p:spPr/>
+        <p:txBody>
+          <a:bodyPr/>
+          <a:lstStyle/>
+          <a:p>
+            <a:r>
+              <a:rPr lang="en-US"/>
               <a:t>Final Thoughts</a:t>
             </a:r>
           </a:p>
@@ -14398,7 +14830,7 @@
 </p:sld>
 </file>
 
-<file path=ppt/slides/slide48.xml><?xml version="1.0" encoding="utf-8"?>
+<file path=ppt/slides/slide49.xml><?xml version="1.0" encoding="utf-8"?>
 <p:sld xmlns:a="http://schemas.openxmlformats.org/drawingml/2006/main" xmlns:r="http://schemas.openxmlformats.org/officeDocument/2006/relationships" xmlns:p="http://schemas.openxmlformats.org/presentationml/2006/main">
   <p:cSld>
     <p:spTree>
